--- a/2026-SPR/Week02.pptx
+++ b/2026-SPR/Week02.pptx
@@ -280,7 +280,7 @@
           <a:p>
             <a:fld id="{2B1919C7-6BC3-4736-AC32-A62C7B81C82C}" type="datetimeFigureOut">
               <a:rPr lang="en-US" smtClean="0"/>
-              <a:t>8/26/2025</a:t>
+              <a:t>1/20/2026</a:t>
             </a:fld>
             <a:endParaRPr lang="en-US"/>
           </a:p>
@@ -478,7 +478,7 @@
           <a:p>
             <a:fld id="{2B1919C7-6BC3-4736-AC32-A62C7B81C82C}" type="datetimeFigureOut">
               <a:rPr lang="en-US" smtClean="0"/>
-              <a:t>8/26/2025</a:t>
+              <a:t>1/20/2026</a:t>
             </a:fld>
             <a:endParaRPr lang="en-US"/>
           </a:p>
@@ -686,7 +686,7 @@
           <a:p>
             <a:fld id="{2B1919C7-6BC3-4736-AC32-A62C7B81C82C}" type="datetimeFigureOut">
               <a:rPr lang="en-US" smtClean="0"/>
-              <a:t>8/26/2025</a:t>
+              <a:t>1/20/2026</a:t>
             </a:fld>
             <a:endParaRPr lang="en-US"/>
           </a:p>
@@ -884,7 +884,7 @@
           <a:p>
             <a:fld id="{2B1919C7-6BC3-4736-AC32-A62C7B81C82C}" type="datetimeFigureOut">
               <a:rPr lang="en-US" smtClean="0"/>
-              <a:t>8/26/2025</a:t>
+              <a:t>1/20/2026</a:t>
             </a:fld>
             <a:endParaRPr lang="en-US"/>
           </a:p>
@@ -1159,7 +1159,7 @@
           <a:p>
             <a:fld id="{2B1919C7-6BC3-4736-AC32-A62C7B81C82C}" type="datetimeFigureOut">
               <a:rPr lang="en-US" smtClean="0"/>
-              <a:t>8/26/2025</a:t>
+              <a:t>1/20/2026</a:t>
             </a:fld>
             <a:endParaRPr lang="en-US"/>
           </a:p>
@@ -1424,7 +1424,7 @@
           <a:p>
             <a:fld id="{2B1919C7-6BC3-4736-AC32-A62C7B81C82C}" type="datetimeFigureOut">
               <a:rPr lang="en-US" smtClean="0"/>
-              <a:t>8/26/2025</a:t>
+              <a:t>1/20/2026</a:t>
             </a:fld>
             <a:endParaRPr lang="en-US"/>
           </a:p>
@@ -1836,7 +1836,7 @@
           <a:p>
             <a:fld id="{2B1919C7-6BC3-4736-AC32-A62C7B81C82C}" type="datetimeFigureOut">
               <a:rPr lang="en-US" smtClean="0"/>
-              <a:t>8/26/2025</a:t>
+              <a:t>1/20/2026</a:t>
             </a:fld>
             <a:endParaRPr lang="en-US"/>
           </a:p>
@@ -1977,7 +1977,7 @@
           <a:p>
             <a:fld id="{2B1919C7-6BC3-4736-AC32-A62C7B81C82C}" type="datetimeFigureOut">
               <a:rPr lang="en-US" smtClean="0"/>
-              <a:t>8/26/2025</a:t>
+              <a:t>1/20/2026</a:t>
             </a:fld>
             <a:endParaRPr lang="en-US"/>
           </a:p>
@@ -2090,7 +2090,7 @@
           <a:p>
             <a:fld id="{2B1919C7-6BC3-4736-AC32-A62C7B81C82C}" type="datetimeFigureOut">
               <a:rPr lang="en-US" smtClean="0"/>
-              <a:t>8/26/2025</a:t>
+              <a:t>1/20/2026</a:t>
             </a:fld>
             <a:endParaRPr lang="en-US"/>
           </a:p>
@@ -2401,7 +2401,7 @@
           <a:p>
             <a:fld id="{2B1919C7-6BC3-4736-AC32-A62C7B81C82C}" type="datetimeFigureOut">
               <a:rPr lang="en-US" smtClean="0"/>
-              <a:t>8/26/2025</a:t>
+              <a:t>1/20/2026</a:t>
             </a:fld>
             <a:endParaRPr lang="en-US"/>
           </a:p>
@@ -2689,7 +2689,7 @@
           <a:p>
             <a:fld id="{2B1919C7-6BC3-4736-AC32-A62C7B81C82C}" type="datetimeFigureOut">
               <a:rPr lang="en-US" smtClean="0"/>
-              <a:t>8/26/2025</a:t>
+              <a:t>1/20/2026</a:t>
             </a:fld>
             <a:endParaRPr lang="en-US"/>
           </a:p>
@@ -2930,7 +2930,7 @@
           <a:p>
             <a:fld id="{2B1919C7-6BC3-4736-AC32-A62C7B81C82C}" type="datetimeFigureOut">
               <a:rPr lang="en-US" smtClean="0"/>
-              <a:t>8/26/2025</a:t>
+              <a:t>1/20/2026</a:t>
             </a:fld>
             <a:endParaRPr lang="en-US"/>
           </a:p>
@@ -3422,7 +3422,7 @@
                   </a:schemeClr>
                 </a:solidFill>
               </a:rPr>
-              <a:t>Week 2: 2025-08-27 to 09-02</a:t>
+              <a:t>Week 2: 2026-01-21 to 01-27</a:t>
             </a:r>
           </a:p>
           <a:p>
@@ -3701,7 +3701,7 @@
             <a:pPr lvl="1"/>
             <a:r>
               <a:rPr lang="en-US" dirty="0"/>
-              <a:t>VS2022 .NET 6.0: 6.0.3</a:t>
+              <a:t>VS2022 .NET 8.0: 8.0.3</a:t>
             </a:r>
           </a:p>
           <a:p>
@@ -3727,12 +3727,8 @@
           <a:p>
             <a:pPr lvl="1"/>
             <a:r>
-              <a:rPr lang="en-US"/>
-              <a:t>VS2022 </a:t>
-            </a:r>
-            <a:r>
-              <a:rPr lang="en-US" dirty="0"/>
-              <a:t>.NET 6.0: 6.0.3</a:t>
+              <a:rPr lang="en-US" dirty="0"/>
+              <a:t>VS2022 .NET 8.0: 8.0.3</a:t>
             </a:r>
           </a:p>
           <a:p>
@@ -5837,7 +5833,7 @@
           <a:p>
             <a:r>
               <a:rPr lang="en-US" dirty="0"/>
-              <a:t>Create new Resource Group named ‘cis174dmacc</a:t>
+              <a:t>Create new Resource Group named ‘cis174dmacc’</a:t>
             </a:r>
           </a:p>
         </p:txBody>
@@ -6027,7 +6023,7 @@
           <a:p>
             <a:r>
               <a:rPr lang="en-US" dirty="0"/>
-              <a:t>Runtime Stack: .NET 6 (or 7 or 8)</a:t>
+              <a:t>Runtime Stack: .NET 8 (or 9 or 10)</a:t>
             </a:r>
           </a:p>
           <a:p>
